--- a/Documentos/Sprint 4 - Final/Apresentacao.pptx
+++ b/Documentos/Sprint 4 - Final/Apresentacao.pptx
@@ -7722,11 +7722,7 @@
           <a:p>
             <a:r>
               <a:rPr lang="pt-BR" dirty="0" smtClean="0"/>
-              <a:t>Link GitHub e </a:t>
-            </a:r>
-            <a:r>
-              <a:rPr lang="pt-BR" dirty="0" err="1" smtClean="0"/>
-              <a:t>Overleaf</a:t>
+              <a:t>Links</a:t>
             </a:r>
             <a:endParaRPr lang="pt-BR" dirty="0"/>
           </a:p>
@@ -7773,6 +7769,29 @@
             <a:endParaRPr lang="pt-BR" dirty="0" smtClean="0"/>
           </a:p>
           <a:p>
+            <a:pPr lvl="1" algn="just">
+              <a:lnSpc>
+                <a:spcPct val="100000"/>
+              </a:lnSpc>
+              <a:buClr>
+                <a:schemeClr val="tx1"/>
+              </a:buClr>
+              <a:buFont typeface="Arial" panose="020B0604020202020204" pitchFamily="34" charset="0"/>
+              <a:buChar char="•"/>
+            </a:pPr>
+            <a:r>
+              <a:rPr lang="pt-BR" dirty="0" smtClean="0"/>
+              <a:t>Link GitHub do nosso projeto: </a:t>
+            </a:r>
+            <a:r>
+              <a:rPr lang="pt-BR" dirty="0">
+                <a:hlinkClick r:id="rId2"/>
+              </a:rPr>
+              <a:t>https://github.com/MateusSantosFonseca/TISVI-Analise-Efetividade-Testes-Unitarios</a:t>
+            </a:r>
+            <a:endParaRPr lang="pt-BR" dirty="0" smtClean="0"/>
+          </a:p>
+          <a:p>
             <a:pPr marL="201168" lvl="1" indent="0" algn="just">
               <a:lnSpc>
                 <a:spcPct val="100000"/>
@@ -7795,29 +7814,7 @@
               <a:buFont typeface="Arial" panose="020B0604020202020204" pitchFamily="34" charset="0"/>
               <a:buChar char="•"/>
             </a:pPr>
-            <a:r>
-              <a:rPr lang="pt-BR" dirty="0" smtClean="0"/>
-              <a:t>Link GitHub do nosso projeto: </a:t>
-            </a:r>
-            <a:r>
-              <a:rPr lang="pt-BR" dirty="0">
-                <a:hlinkClick r:id="rId2"/>
-              </a:rPr>
-              <a:t>https://github.com/MateusSantosFonseca/TISVI-Analise-Efetividade-Testes-Unitarios</a:t>
-            </a:r>
-            <a:endParaRPr lang="pt-BR" dirty="0" smtClean="0"/>
-          </a:p>
-          <a:p>
-            <a:pPr marL="201168" lvl="1" indent="0" algn="just">
-              <a:lnSpc>
-                <a:spcPct val="100000"/>
-              </a:lnSpc>
-              <a:buClr>
-                <a:schemeClr val="tx1"/>
-              </a:buClr>
-              <a:buNone/>
-            </a:pPr>
-            <a:endParaRPr lang="pt-BR" dirty="0" smtClean="0"/>
+            <a:endParaRPr lang="pt-BR" dirty="0"/>
           </a:p>
           <a:p>
             <a:pPr lvl="1" algn="just">
@@ -7830,7 +7827,39 @@
               <a:buFont typeface="Arial" panose="020B0604020202020204" pitchFamily="34" charset="0"/>
               <a:buChar char="•"/>
             </a:pPr>
-            <a:endParaRPr lang="pt-BR" dirty="0"/>
+            <a:r>
+              <a:rPr lang="pt-BR" dirty="0" smtClean="0"/>
+              <a:t>Link </a:t>
+            </a:r>
+            <a:r>
+              <a:rPr lang="pt-BR" dirty="0" err="1" smtClean="0"/>
+              <a:t>Overleaf</a:t>
+            </a:r>
+            <a:r>
+              <a:rPr lang="pt-BR" dirty="0" smtClean="0"/>
+              <a:t> da nossa documentação em </a:t>
+            </a:r>
+            <a:r>
+              <a:rPr lang="pt-BR" dirty="0" err="1" smtClean="0"/>
+              <a:t>LaTeX</a:t>
+            </a:r>
+            <a:r>
+              <a:rPr lang="pt-BR" dirty="0" smtClean="0"/>
+              <a:t>: </a:t>
+            </a:r>
+            <a:r>
+              <a:rPr lang="pt-BR" dirty="0">
+                <a:hlinkClick r:id="rId3"/>
+              </a:rPr>
+              <a:t>https://</a:t>
+            </a:r>
+            <a:r>
+              <a:rPr lang="pt-BR" dirty="0" smtClean="0">
+                <a:hlinkClick r:id="rId3"/>
+              </a:rPr>
+              <a:t>pt.overleaf.com/read/zvjsnjyccdtn</a:t>
+            </a:r>
+            <a:endParaRPr lang="pt-BR" dirty="0" smtClean="0"/>
           </a:p>
           <a:p>
             <a:pPr lvl="1" algn="just">
@@ -7843,32 +7872,67 @@
               <a:buFont typeface="Arial" panose="020B0604020202020204" pitchFamily="34" charset="0"/>
               <a:buChar char="•"/>
             </a:pPr>
+            <a:endParaRPr lang="pt-BR" dirty="0" smtClean="0"/>
+          </a:p>
+          <a:p>
+            <a:pPr lvl="1" algn="just">
+              <a:lnSpc>
+                <a:spcPct val="100000"/>
+              </a:lnSpc>
+              <a:buClr>
+                <a:schemeClr val="tx1"/>
+              </a:buClr>
+              <a:buFont typeface="Arial" panose="020B0604020202020204" pitchFamily="34" charset="0"/>
+              <a:buChar char="•"/>
+            </a:pPr>
+            <a:endParaRPr lang="pt-BR" dirty="0" smtClean="0"/>
+          </a:p>
+          <a:p>
+            <a:pPr lvl="1" algn="just">
+              <a:lnSpc>
+                <a:spcPct val="100000"/>
+              </a:lnSpc>
+              <a:buClr>
+                <a:schemeClr val="tx1"/>
+              </a:buClr>
+              <a:buFont typeface="Arial" panose="020B0604020202020204" pitchFamily="34" charset="0"/>
+              <a:buChar char="•"/>
+            </a:pPr>
             <a:r>
               <a:rPr lang="pt-BR" dirty="0" smtClean="0"/>
               <a:t>Link </a:t>
             </a:r>
             <a:r>
               <a:rPr lang="pt-BR" dirty="0" err="1" smtClean="0"/>
-              <a:t>Overleaf</a:t>
-            </a:r>
-            <a:r>
-              <a:rPr lang="pt-BR" dirty="0" smtClean="0"/>
-              <a:t> da nossa documentação em </a:t>
-            </a:r>
-            <a:r>
-              <a:rPr lang="pt-BR" dirty="0" err="1" smtClean="0"/>
-              <a:t>LaTeX</a:t>
-            </a:r>
-            <a:r>
-              <a:rPr lang="pt-BR" dirty="0" smtClean="0"/>
-              <a:t>: </a:t>
+              <a:t>YouTube</a:t>
+            </a:r>
+            <a:r>
+              <a:rPr lang="pt-BR" dirty="0" smtClean="0"/>
+              <a:t> da nossa apresentação </a:t>
+            </a:r>
+            <a:r>
+              <a:rPr lang="pt-BR" dirty="0"/>
+              <a:t>do trabalho: </a:t>
             </a:r>
             <a:r>
               <a:rPr lang="pt-BR" dirty="0">
-                <a:hlinkClick r:id="rId3"/>
+                <a:hlinkClick r:id="rId4"/>
               </a:rPr>
-              <a:t>https://pt.overleaf.com/read/zvjsnjyccdtn</a:t>
-            </a:r>
+              <a:t>https://youtu.be/00ftYGTXCzs</a:t>
+            </a:r>
+            <a:endParaRPr lang="pt-BR" dirty="0"/>
+          </a:p>
+          <a:p>
+            <a:pPr lvl="1" algn="just">
+              <a:lnSpc>
+                <a:spcPct val="100000"/>
+              </a:lnSpc>
+              <a:buClr>
+                <a:schemeClr val="tx1"/>
+              </a:buClr>
+              <a:buFont typeface="Arial" panose="020B0604020202020204" pitchFamily="34" charset="0"/>
+              <a:buChar char="•"/>
+            </a:pPr>
             <a:endParaRPr lang="pt-BR" dirty="0"/>
           </a:p>
         </p:txBody>
@@ -9327,18 +9391,7 @@
                   </a:srgbClr>
                 </a:solidFill>
               </a:rPr>
-              <a:t>testes </a:t>
-            </a:r>
-            <a:r>
-              <a:rPr lang="pt-BR" sz="1800" smtClean="0">
-                <a:solidFill>
-                  <a:srgbClr val="000000">
-                    <a:lumMod val="75000"/>
-                    <a:lumOff val="25000"/>
-                  </a:srgbClr>
-                </a:solidFill>
-              </a:rPr>
-              <a:t>unitários e </a:t>
+              <a:t>testes unitários e </a:t>
             </a:r>
             <a:r>
               <a:rPr lang="pt-BR" sz="1800" dirty="0" smtClean="0">

--- a/Documentos/Sprint 4 - Final/Apresentacao.pptx
+++ b/Documentos/Sprint 4 - Final/Apresentacao.pptx
@@ -8210,7 +8210,19 @@
             </a:r>
             <a:r>
               <a:rPr lang="pt-BR" dirty="0"/>
-              <a:t>na base, por serem os de menor granularidade e mais </a:t>
+              <a:t>na base, por serem os </a:t>
+            </a:r>
+            <a:r>
+              <a:rPr lang="pt-BR"/>
+              <a:t>de </a:t>
+            </a:r>
+            <a:r>
+              <a:rPr lang="pt-BR" smtClean="0"/>
+              <a:t>maior </a:t>
+            </a:r>
+            <a:r>
+              <a:rPr lang="pt-BR" dirty="0"/>
+              <a:t>granularidade e mais </a:t>
             </a:r>
             <a:r>
               <a:rPr lang="pt-BR" dirty="0" smtClean="0"/>
